--- a/spring12/slidesS12/ran-vars-binomial.pptx
+++ b/spring12/slidesS12/ran-vars-binomial.pptx
@@ -3875,23 +3875,7 @@
                   <a:srgbClr val="006600"/>
                 </a:solidFill>
               </a:rPr>
-              <a:t>Probability Density </a:t>
-            </a:r>
-            <a:r>
-              <a:rPr lang="en-US" sz="4800" dirty="0" smtClean="0">
-                <a:solidFill>
-                  <a:srgbClr val="006600"/>
-                </a:solidFill>
-              </a:rPr>
-              <a:t>Function &amp; Cumulative </a:t>
-            </a:r>
-            <a:r>
-              <a:rPr lang="en-US" sz="4800" dirty="0" smtClean="0">
-                <a:solidFill>
-                  <a:srgbClr val="006600"/>
-                </a:solidFill>
-              </a:rPr>
-              <a:t>Distribution Function</a:t>
+              <a:t>Probability Density Function &amp; Cumulative Distribution Function</a:t>
             </a:r>
             <a:r>
               <a:rPr lang="en-US" sz="4800" dirty="0" smtClean="0"/>
@@ -3917,11 +3901,6 @@
               </a:rPr>
               <a:t>do not depend on sample space</a:t>
             </a:r>
-            <a:endParaRPr lang="en-US" sz="4800" dirty="0" smtClean="0">
-              <a:solidFill>
-                <a:srgbClr val="660066"/>
-              </a:solidFill>
-            </a:endParaRPr>
           </a:p>
         </p:txBody>
       </p:sp>
@@ -3935,13 +3914,13 @@
   <p:clrMapOvr>
     <a:masterClrMapping/>
   </p:clrMapOvr>
-  <mc:AlternateContent xmlns:mc="http://schemas.openxmlformats.org/markup-compatibility/2006">
-    <mc:Choice xmlns:p14="http://schemas.microsoft.com/office/powerpoint/2010/main" Requires="p14">
+  <mc:AlternateContent xmlns:mc="http://schemas.openxmlformats.org/markup-compatibility/2006" xmlns:p14="http://schemas.microsoft.com/office/powerpoint/2010/main">
+    <mc:Choice Requires="p14">
       <p:transition spd="med" p14:dur="700">
         <p:fade/>
       </p:transition>
     </mc:Choice>
-    <mc:Fallback>
+    <mc:Fallback xmlns="">
       <p:transition xmlns:p14="http://schemas.microsoft.com/office/powerpoint/2010/main" spd="med">
         <p:fade/>
       </p:transition>
@@ -4190,7 +4169,7 @@
           <a:graphicData uri="http://schemas.openxmlformats.org/presentationml/2006/ole">
             <mc:AlternateContent xmlns:mc="http://schemas.openxmlformats.org/markup-compatibility/2006">
               <mc:Choice xmlns:v="urn:schemas-microsoft-com:vml" Requires="v">
-                <p:oleObj spid="_x0000_s79898" name="Equation" r:id="rId4" imgW="164880" imgH="393480" progId="Equation.DSMT4">
+                <p:oleObj spid="_x0000_s79902" name="Equation" r:id="rId4" imgW="164880" imgH="393480" progId="Equation.DSMT4">
                   <p:embed/>
                 </p:oleObj>
               </mc:Choice>
@@ -6690,9 +6669,18 @@
   <p:clrMapOvr>
     <a:masterClrMapping/>
   </p:clrMapOvr>
-  <p:transition xmlns:p14="http://schemas.microsoft.com/office/powerpoint/2010/main" spd="slow">
-    <p:fade thruBlk="1"/>
-  </p:transition>
+  <mc:AlternateContent xmlns:mc="http://schemas.openxmlformats.org/markup-compatibility/2006">
+    <mc:Choice xmlns:p14="http://schemas.microsoft.com/office/powerpoint/2010/main" Requires="p14">
+      <p:transition spd="med" p14:dur="700">
+        <p:fade/>
+      </p:transition>
+    </mc:Choice>
+    <mc:Fallback>
+      <p:transition xmlns:p14="http://schemas.microsoft.com/office/powerpoint/2010/main" spd="med">
+        <p:fade/>
+      </p:transition>
+    </mc:Fallback>
+  </mc:AlternateContent>
   <p:timing>
     <p:tnLst>
       <p:par>
@@ -7111,10 +7099,14 @@
   </p:clrMapOvr>
   <mc:AlternateContent xmlns:mc="http://schemas.openxmlformats.org/markup-compatibility/2006">
     <mc:Choice xmlns:p14="http://schemas.microsoft.com/office/powerpoint/2010/main" Requires="p14">
-      <p:transition p14:dur="0"/>
+      <p:transition spd="med" p14:dur="700">
+        <p:fade/>
+      </p:transition>
     </mc:Choice>
     <mc:Fallback>
-      <p:transition xmlns:p14="http://schemas.microsoft.com/office/powerpoint/2010/main"/>
+      <p:transition xmlns:p14="http://schemas.microsoft.com/office/powerpoint/2010/main" spd="med">
+        <p:fade/>
+      </p:transition>
     </mc:Fallback>
   </mc:AlternateContent>
   <p:timing>
@@ -7523,7 +7515,18 @@
             </a:r>
             <a:r>
               <a:rPr lang="en-US" dirty="0" smtClean="0"/>
-              <a:t> = </a:t>
+              <a:t> </a:t>
+            </a:r>
+            <a:r>
+              <a:rPr lang="en-US" b="1" dirty="0" smtClean="0">
+                <a:latin typeface="Euclid Symbol" charset="2"/>
+                <a:cs typeface="Euclid Symbol" charset="2"/>
+              </a:rPr>
+              <a:t>=</a:t>
+            </a:r>
+            <a:r>
+              <a:rPr lang="en-US" dirty="0" smtClean="0"/>
+              <a:t> </a:t>
             </a:r>
           </a:p>
           <a:p>
@@ -8205,7 +8208,7 @@
                   <a:srgbClr val="0000FF"/>
                 </a:solidFill>
               </a:rPr>
-              <a:t>Pr{HHTTH</a:t>
+              <a:t>Pr</a:t>
             </a:r>
             <a:r>
               <a:rPr lang="en-US" dirty="0" smtClean="0">
@@ -8213,12 +8216,24 @@
                   <a:srgbClr val="0000FF"/>
                 </a:solidFill>
               </a:rPr>
-              <a:t>}</a:t>
+              <a:t>{HHTTH}</a:t>
             </a:r>
             <a:r>
               <a:rPr lang="en-US" dirty="0" smtClean="0"/>
-              <a:t> = </a:t>
-            </a:r>
+              <a:t> </a:t>
+            </a:r>
+            <a:r>
+              <a:rPr lang="en-US" b="1" dirty="0">
+                <a:latin typeface="Euclid Symbol" charset="2"/>
+                <a:cs typeface="Euclid Symbol" charset="2"/>
+              </a:rPr>
+              <a:t>=</a:t>
+            </a:r>
+            <a:r>
+              <a:rPr lang="en-US" dirty="0" smtClean="0"/>
+              <a:t> </a:t>
+            </a:r>
+            <a:endParaRPr lang="en-US" dirty="0" smtClean="0"/>
           </a:p>
           <a:p>
             <a:pPr eaLnBrk="1" hangingPunct="1"/>
@@ -8250,7 +8265,7 @@
           <a:graphicData uri="http://schemas.openxmlformats.org/presentationml/2006/ole">
             <mc:AlternateContent xmlns:mc="http://schemas.openxmlformats.org/markup-compatibility/2006">
               <mc:Choice xmlns:v="urn:schemas-microsoft-com:vml" Requires="v">
-                <p:oleObj spid="_x0000_s648219" name="Equation" r:id="rId4" imgW="1790700" imgH="469900" progId="Equation.DSMT4">
+                <p:oleObj spid="_x0000_s648223" name="Equation" r:id="rId4" imgW="1790700" imgH="469900" progId="Equation.DSMT4">
                   <p:embed/>
                 </p:oleObj>
               </mc:Choice>
@@ -8644,7 +8659,7 @@
                   <a:srgbClr val="0000FF"/>
                 </a:solidFill>
               </a:rPr>
-              <a:t>Pr{HHTTH</a:t>
+              <a:t>Pr</a:t>
             </a:r>
             <a:r>
               <a:rPr lang="en-US" dirty="0" smtClean="0">
@@ -8652,22 +8667,18 @@
                   <a:srgbClr val="0000FF"/>
                 </a:solidFill>
               </a:rPr>
-              <a:t>}</a:t>
+              <a:t>{HHTTH}</a:t>
             </a:r>
             <a:r>
               <a:rPr lang="en-US" dirty="0" smtClean="0"/>
-              <a:t> = </a:t>
-            </a:r>
-          </a:p>
-          <a:p>
-            <a:pPr eaLnBrk="1" hangingPunct="1"/>
-            <a:r>
-              <a:rPr lang="en-US" dirty="0" smtClean="0">
-                <a:solidFill>
-                  <a:srgbClr val="0000FF"/>
-                </a:solidFill>
-              </a:rPr>
-              <a:t>      </a:t>
+              <a:t> </a:t>
+            </a:r>
+            <a:r>
+              <a:rPr lang="en-US" b="1" dirty="0" smtClean="0">
+                <a:latin typeface="Euclid Symbol" charset="2"/>
+                <a:cs typeface="Euclid Symbol" charset="2"/>
+              </a:rPr>
+              <a:t>=</a:t>
             </a:r>
             <a:endParaRPr lang="en-US" dirty="0" smtClean="0"/>
           </a:p>
@@ -8679,17 +8690,23 @@
           <p:cNvGraphicFramePr>
             <a:graphicFrameLocks noChangeAspect="1"/>
           </p:cNvGraphicFramePr>
-          <p:nvPr/>
+          <p:nvPr>
+            <p:extLst>
+              <p:ext uri="{D42A27DB-BD31-4B8C-83A1-F6EECF244321}">
+                <p14:modId xmlns:p14="http://schemas.microsoft.com/office/powerpoint/2010/main" val="2914957701"/>
+              </p:ext>
+            </p:extLst>
+          </p:nvPr>
         </p:nvGraphicFramePr>
         <p:xfrm>
-          <a:off x="4368797" y="3462695"/>
+          <a:off x="4368797" y="2776895"/>
           <a:ext cx="2538046" cy="2294003"/>
         </p:xfrm>
         <a:graphic>
           <a:graphicData uri="http://schemas.openxmlformats.org/presentationml/2006/ole">
             <mc:AlternateContent xmlns:mc="http://schemas.openxmlformats.org/markup-compatibility/2006">
               <mc:Choice xmlns:v="urn:schemas-microsoft-com:vml" Requires="v">
-                <p:oleObj spid="_x0000_s677914" name="Equation" r:id="rId4" imgW="660400" imgH="596900" progId="Equation.DSMT4">
+                <p:oleObj spid="_x0000_s677918" name="Equation" r:id="rId4" imgW="660400" imgH="596900" progId="Equation.DSMT4">
                   <p:embed/>
                 </p:oleObj>
               </mc:Choice>
@@ -8719,7 +8736,7 @@
                     </p:blipFill>
                     <p:spPr bwMode="auto">
                       <a:xfrm>
-                        <a:off x="4368797" y="3462695"/>
+                        <a:off x="4368797" y="2776895"/>
                         <a:ext cx="2538046" cy="2294003"/>
                       </a:xfrm>
                       <a:prstGeom prst="rect">
@@ -9089,7 +9106,7 @@
           <a:graphicData uri="http://schemas.openxmlformats.org/presentationml/2006/ole">
             <mc:AlternateContent xmlns:mc="http://schemas.openxmlformats.org/markup-compatibility/2006">
               <mc:Choice xmlns:v="urn:schemas-microsoft-com:vml" Requires="v">
-                <p:oleObj spid="_x0000_s100378" name="Equation" r:id="rId4" imgW="711200" imgH="393700" progId="Equation.DSMT4">
+                <p:oleObj spid="_x0000_s100382" name="Equation" r:id="rId4" imgW="711200" imgH="393700" progId="Equation.DSMT4">
                   <p:embed/>
                 </p:oleObj>
               </mc:Choice>
@@ -9561,7 +9578,7 @@
           <a:graphicData uri="http://schemas.openxmlformats.org/presentationml/2006/ole">
             <mc:AlternateContent xmlns:mc="http://schemas.openxmlformats.org/markup-compatibility/2006">
               <mc:Choice xmlns:v="urn:schemas-microsoft-com:vml" Requires="v">
-                <p:oleObj spid="_x0000_s122907" name="Equation" r:id="rId4" imgW="901700" imgH="533400" progId="Equation.DSMT4">
+                <p:oleObj spid="_x0000_s122911" name="Equation" r:id="rId4" imgW="901700" imgH="533400" progId="Equation.DSMT4">
                   <p:embed/>
                 </p:oleObj>
               </mc:Choice>
@@ -10148,7 +10165,7 @@
             <a:r>
               <a:rPr lang="en-US" sz="4800" dirty="0" smtClean="0">
                 <a:solidFill>
-                  <a:srgbClr val="000000"/>
+                  <a:srgbClr val="9B2894"/>
                 </a:solidFill>
               </a:rPr>
               <a:t>Probability Density Function</a:t>
@@ -10178,7 +10195,7 @@
             <a:r>
               <a:rPr lang="en-US" sz="5400" dirty="0" err="1" smtClean="0">
                 <a:solidFill>
-                  <a:srgbClr val="006600"/>
+                  <a:srgbClr val="9B2894"/>
                 </a:solidFill>
               </a:rPr>
               <a:t>PDF</a:t>
@@ -10267,22 +10284,28 @@
           <p:cNvGraphicFramePr>
             <a:graphicFrameLocks noChangeAspect="1"/>
           </p:cNvGraphicFramePr>
-          <p:nvPr/>
+          <p:nvPr>
+            <p:extLst>
+              <p:ext uri="{D42A27DB-BD31-4B8C-83A1-F6EECF244321}">
+                <p14:modId xmlns:p14="http://schemas.microsoft.com/office/powerpoint/2010/main" val="3900551252"/>
+              </p:ext>
+            </p:extLst>
+          </p:nvPr>
         </p:nvGraphicFramePr>
         <p:xfrm>
-          <a:off x="1092557" y="3531591"/>
-          <a:ext cx="7567547" cy="2408110"/>
+          <a:off x="1120775" y="3532188"/>
+          <a:ext cx="7510463" cy="2408237"/>
         </p:xfrm>
         <a:graphic>
           <a:graphicData uri="http://schemas.openxmlformats.org/presentationml/2006/ole">
             <mc:AlternateContent xmlns:mc="http://schemas.openxmlformats.org/markup-compatibility/2006">
               <mc:Choice xmlns:v="urn:schemas-microsoft-com:vml" Requires="v">
-                <p:oleObj spid="_x0000_s104474" name="Equation" r:id="rId4" imgW="1676400" imgH="533400" progId="Equation.DSMT4">
+                <p:oleObj spid="_x0000_s104478" name="Equation" r:id="rId4" imgW="1663700" imgH="533400" progId="Equation.DSMT4">
                   <p:embed/>
                 </p:oleObj>
               </mc:Choice>
               <mc:Fallback>
-                <p:oleObj name="Equation" r:id="rId4" imgW="1676400" imgH="533400" progId="Equation.DSMT4">
+                <p:oleObj name="Equation" r:id="rId4" imgW="1663700" imgH="533400" progId="Equation.DSMT4">
                   <p:embed/>
                   <p:pic>
                     <p:nvPicPr>
@@ -10293,13 +10316,7 @@
                       <p:nvPr/>
                     </p:nvPicPr>
                     <p:blipFill>
-                      <a:blip r:embed="rId5">
-                        <a:extLst>
-                          <a:ext uri="{28A0092B-C50C-407E-A947-70E740481C1C}">
-                            <a14:useLocalDpi xmlns:a14="http://schemas.microsoft.com/office/drawing/2010/main" val="0"/>
-                          </a:ext>
-                        </a:extLst>
-                      </a:blip>
+                      <a:blip r:embed="rId5"/>
                       <a:srcRect/>
                       <a:stretch>
                         <a:fillRect/>
@@ -10307,8 +10324,8 @@
                     </p:blipFill>
                     <p:spPr bwMode="auto">
                       <a:xfrm>
-                        <a:off x="1092557" y="3531591"/>
-                        <a:ext cx="7567547" cy="2408110"/>
+                        <a:off x="1120775" y="3532188"/>
+                        <a:ext cx="7510463" cy="2408237"/>
                       </a:xfrm>
                       <a:prstGeom prst="rect">
                         <a:avLst/>
@@ -10646,7 +10663,7 @@
             <a:r>
               <a:rPr lang="en-US" sz="3600" dirty="0" smtClean="0">
                 <a:solidFill>
-                  <a:srgbClr val="006600"/>
+                  <a:srgbClr val="9B2894"/>
                 </a:solidFill>
               </a:rPr>
               <a:t>Probability Density Function</a:t>
@@ -10674,7 +10691,11 @@
           <a:p>
             <a:pPr algn="ctr" eaLnBrk="1" hangingPunct="1"/>
             <a:r>
-              <a:rPr lang="en-US" sz="4400" dirty="0" err="1" smtClean="0"/>
+              <a:rPr lang="en-US" sz="4400" dirty="0" err="1" smtClean="0">
+                <a:solidFill>
+                  <a:srgbClr val="9B2894"/>
+                </a:solidFill>
+              </a:rPr>
               <a:t>PDF</a:t>
             </a:r>
             <a:r>
@@ -10706,8 +10727,15 @@
               <a:t>  </a:t>
             </a:r>
             <a:r>
+              <a:rPr lang="en-US" sz="4400" b="1" dirty="0" smtClean="0">
+                <a:latin typeface="Euclid Symbol" charset="2"/>
+                <a:cs typeface="Euclid Symbol" charset="2"/>
+              </a:rPr>
+              <a:t>::=</a:t>
+            </a:r>
+            <a:r>
               <a:rPr lang="en-US" sz="4400" dirty="0" smtClean="0"/>
-              <a:t>::= </a:t>
+              <a:t> </a:t>
             </a:r>
             <a:r>
               <a:rPr lang="en-US" sz="4400" dirty="0" err="1" smtClean="0"/>
@@ -10743,7 +10771,7 @@
             <a:r>
               <a:rPr lang="en-US" sz="3600" dirty="0" smtClean="0">
                 <a:solidFill>
-                  <a:srgbClr val="006600"/>
+                  <a:srgbClr val="9B2894"/>
                 </a:solidFill>
               </a:rPr>
               <a:t>Cumulative Distribution Function</a:t>
@@ -10768,11 +10796,15 @@
           <a:p>
             <a:pPr algn="ctr" eaLnBrk="1" hangingPunct="1"/>
             <a:r>
-              <a:rPr lang="en-US" sz="4400" dirty="0" err="1" smtClean="0"/>
+              <a:rPr lang="en-US" sz="4400" dirty="0" smtClean="0">
+                <a:solidFill>
+                  <a:srgbClr val="9B2894"/>
+                </a:solidFill>
+              </a:rPr>
               <a:t>CDF</a:t>
             </a:r>
             <a:r>
-              <a:rPr lang="en-US" sz="4400" baseline="-25000" dirty="0" err="1" smtClean="0">
+              <a:rPr lang="en-US" sz="4400" baseline="-25000" dirty="0" smtClean="0">
                 <a:solidFill>
                   <a:srgbClr val="3333FF"/>
                 </a:solidFill>
@@ -10780,11 +10812,11 @@
               <a:t>R</a:t>
             </a:r>
             <a:r>
-              <a:rPr lang="en-US" sz="4400" dirty="0" err="1" smtClean="0"/>
+              <a:rPr lang="en-US" sz="4400" dirty="0" smtClean="0"/>
               <a:t>(</a:t>
             </a:r>
             <a:r>
-              <a:rPr lang="en-US" sz="4400" dirty="0" err="1" smtClean="0">
+              <a:rPr lang="en-US" sz="4400" dirty="0" smtClean="0">
                 <a:solidFill>
                   <a:srgbClr val="3333FF"/>
                 </a:solidFill>
@@ -10797,18 +10829,29 @@
             </a:r>
             <a:r>
               <a:rPr lang="en-US" sz="4400" baseline="-25000" dirty="0" smtClean="0"/>
-              <a:t>  </a:t>
+              <a:t> </a:t>
+            </a:r>
+            <a:r>
+              <a:rPr lang="en-US" sz="4400" b="1" dirty="0">
+                <a:latin typeface="Euclid Symbol" charset="2"/>
+                <a:cs typeface="Euclid Symbol" charset="2"/>
+              </a:rPr>
+              <a:t>::=</a:t>
             </a:r>
             <a:r>
               <a:rPr lang="en-US" sz="4400" dirty="0" smtClean="0"/>
-              <a:t>::= </a:t>
+              <a:t> </a:t>
             </a:r>
             <a:r>
               <a:rPr lang="en-US" sz="4400" dirty="0" err="1" smtClean="0"/>
-              <a:t>Pr{</a:t>
-            </a:r>
-            <a:r>
-              <a:rPr lang="en-US" sz="4400" dirty="0" err="1" smtClean="0">
+              <a:t>Pr</a:t>
+            </a:r>
+            <a:r>
+              <a:rPr lang="en-US" sz="4400" dirty="0" smtClean="0"/>
+              <a:t>{</a:t>
+            </a:r>
+            <a:r>
+              <a:rPr lang="en-US" sz="4400" dirty="0" smtClean="0">
                 <a:solidFill>
                   <a:srgbClr val="3333FF"/>
                 </a:solidFill>
@@ -10851,13 +10894,13 @@
   <p:clrMapOvr>
     <a:masterClrMapping/>
   </p:clrMapOvr>
-  <mc:AlternateContent xmlns:mc="http://schemas.openxmlformats.org/markup-compatibility/2006">
-    <mc:Choice xmlns:p14="http://schemas.microsoft.com/office/powerpoint/2010/main" Requires="p14">
+  <mc:AlternateContent xmlns:mc="http://schemas.openxmlformats.org/markup-compatibility/2006" xmlns:p14="http://schemas.microsoft.com/office/powerpoint/2010/main">
+    <mc:Choice Requires="p14">
       <p:transition spd="med" p14:dur="700">
         <p:fade/>
       </p:transition>
     </mc:Choice>
-    <mc:Fallback>
+    <mc:Fallback xmlns="">
       <p:transition xmlns:p14="http://schemas.microsoft.com/office/powerpoint/2010/main" spd="med">
         <p:fade/>
       </p:transition>
@@ -10884,7 +10927,7 @@
                             </p:stCondLst>
                             <p:childTnLst>
                               <p:par>
-                                <p:cTn id="5" presetID="1" presetClass="entr" presetSubtype="0" fill="hold" nodeType="clickEffect">
+                                <p:cTn id="5" presetID="9" presetClass="entr" presetSubtype="0" fill="hold" nodeType="clickEffect">
                                   <p:stCondLst>
                                     <p:cond delay="0"/>
                                   </p:stCondLst>
@@ -10911,18 +10954,30 @@
                                         <p:strVal val="visible"/>
                                       </p:to>
                                     </p:set>
+                                    <p:animEffect transition="in" filter="dissolve">
+                                      <p:cBhvr>
+                                        <p:cTn id="7" dur="500"/>
+                                        <p:tgtEl>
+                                          <p:spTgt spid="152579">
+                                            <p:txEl>
+                                              <p:pRg st="3" end="3"/>
+                                            </p:txEl>
+                                          </p:spTgt>
+                                        </p:tgtEl>
+                                      </p:cBhvr>
+                                    </p:animEffect>
                                   </p:childTnLst>
                                 </p:cTn>
                               </p:par>
                               <p:par>
-                                <p:cTn id="7" presetID="1" presetClass="entr" presetSubtype="0" fill="hold" nodeType="withEffect">
+                                <p:cTn id="8" presetID="22" presetClass="entr" presetSubtype="4" fill="hold" nodeType="withEffect">
                                   <p:stCondLst>
                                     <p:cond delay="0"/>
                                   </p:stCondLst>
                                   <p:childTnLst>
                                     <p:set>
                                       <p:cBhvr>
-                                        <p:cTn id="8" dur="1" fill="hold">
+                                        <p:cTn id="9" dur="1" fill="hold">
                                           <p:stCondLst>
                                             <p:cond delay="0"/>
                                           </p:stCondLst>
@@ -10942,6 +10997,18 @@
                                         <p:strVal val="visible"/>
                                       </p:to>
                                     </p:set>
+                                    <p:animEffect transition="in" filter="wipe(down)">
+                                      <p:cBhvr>
+                                        <p:cTn id="10" dur="1000"/>
+                                        <p:tgtEl>
+                                          <p:spTgt spid="152579">
+                                            <p:txEl>
+                                              <p:pRg st="4" end="4"/>
+                                            </p:txEl>
+                                          </p:spTgt>
+                                        </p:tgtEl>
+                                      </p:cBhvr>
+                                    </p:animEffect>
                                   </p:childTnLst>
                                 </p:cTn>
                               </p:par>
